--- a/FastFood poster.pptx
+++ b/FastFood poster.pptx
@@ -5665,7 +5665,13 @@
           <a:p>
             <a:pPr algn="ctr"/>
             <a:r>
-              <a:rPr lang="en-US" sz="1200" dirty="0"/>
+              <a:rPr lang="en-US" sz="1200" dirty="0">
+                <a:solidFill>
+                  <a:schemeClr val="bg2">
+                    <a:lumMod val="50000"/>
+                  </a:schemeClr>
+                </a:solidFill>
+              </a:rPr>
               <a:t>ADVANTAGES</a:t>
             </a:r>
           </a:p>
@@ -5872,7 +5878,13 @@
           <a:p>
             <a:pPr algn="ctr"/>
             <a:r>
-              <a:rPr lang="en-IE" sz="1200" dirty="0"/>
+              <a:rPr lang="en-IE" sz="1200" dirty="0">
+                <a:solidFill>
+                  <a:schemeClr val="bg2">
+                    <a:lumMod val="50000"/>
+                  </a:schemeClr>
+                </a:solidFill>
+              </a:rPr>
               <a:t>LIMITATIONS</a:t>
             </a:r>
           </a:p>
@@ -5937,7 +5949,13 @@
           <a:p>
             <a:pPr algn="ctr"/>
             <a:r>
-              <a:rPr lang="en-IE" sz="1200" dirty="0"/>
+              <a:rPr lang="en-IE" sz="1200" dirty="0">
+                <a:solidFill>
+                  <a:schemeClr val="bg2">
+                    <a:lumMod val="50000"/>
+                  </a:schemeClr>
+                </a:solidFill>
+              </a:rPr>
               <a:t>TESTING AND VALIDATION</a:t>
             </a:r>
           </a:p>
@@ -6043,7 +6061,7 @@
         <p:spPr>
           <a:xfrm>
             <a:off x="9242325" y="127820"/>
-            <a:ext cx="2762864" cy="2379406"/>
+            <a:ext cx="2762864" cy="3706760"/>
           </a:xfrm>
           <a:prstGeom prst="rect">
             <a:avLst/>
@@ -6071,7 +6089,13 @@
           <a:p>
             <a:pPr algn="ctr"/>
             <a:r>
-              <a:rPr lang="en-IE" sz="1200" dirty="0"/>
+              <a:rPr lang="en-IE" sz="1200" dirty="0">
+                <a:solidFill>
+                  <a:schemeClr val="bg2">
+                    <a:lumMod val="50000"/>
+                  </a:schemeClr>
+                </a:solidFill>
+              </a:rPr>
               <a:t>CONCLUSION AND REFLECTION</a:t>
             </a:r>
           </a:p>
@@ -6081,72 +6105,15 @@
           </a:p>
           <a:p>
             <a:r>
-              <a:rPr lang="en-IE" sz="1000" dirty="0"/>
+              <a:rPr lang="en-IE" sz="1100" dirty="0"/>
               <a:t>The Project focus was mainly to demonstrate how a deque can work for both Stack and Queue, making it possible to be flexible and efficient at the same time. Highlighting the main algorithm concept which are LIFO/FIFO and time complexity in the real world.</a:t>
             </a:r>
           </a:p>
           <a:p>
             <a:r>
-              <a:rPr lang="en-IE" sz="1000" dirty="0"/>
+              <a:rPr lang="en-IE" sz="1100" dirty="0"/>
               <a:t>Building this application made sure that my understanding of data structure was enough to perform in such challenge and also emphasized the importance of testing and logical consistency. </a:t>
             </a:r>
-          </a:p>
-        </p:txBody>
-      </p:sp>
-      <p:sp>
-        <p:nvSpPr>
-          <p:cNvPr id="23" name="Rectangle 22">
-            <a:extLst>
-              <a:ext uri="{FF2B5EF4-FFF2-40B4-BE49-F238E27FC236}">
-                <a16:creationId xmlns:a16="http://schemas.microsoft.com/office/drawing/2014/main" id="{43A27503-E0E4-8631-D887-83F698FACF43}"/>
-              </a:ext>
-            </a:extLst>
-          </p:cNvPr>
-          <p:cNvSpPr/>
-          <p:nvPr/>
-        </p:nvSpPr>
-        <p:spPr>
-          <a:xfrm>
-            <a:off x="9242325" y="5447071"/>
-            <a:ext cx="2762864" cy="1283108"/>
-          </a:xfrm>
-          <a:prstGeom prst="rect">
-            <a:avLst/>
-          </a:prstGeom>
-        </p:spPr>
-        <p:style>
-          <a:lnRef idx="2">
-            <a:schemeClr val="accent1">
-              <a:shade val="15000"/>
-            </a:schemeClr>
-          </a:lnRef>
-          <a:fillRef idx="1">
-            <a:schemeClr val="accent1"/>
-          </a:fillRef>
-          <a:effectRef idx="0">
-            <a:schemeClr val="accent1"/>
-          </a:effectRef>
-          <a:fontRef idx="minor">
-            <a:schemeClr val="lt1"/>
-          </a:fontRef>
-        </p:style>
-        <p:txBody>
-          <a:bodyPr rtlCol="0" anchor="t"/>
-          <a:lstStyle/>
-          <a:p>
-            <a:pPr algn="ctr"/>
-            <a:r>
-              <a:rPr lang="en-IE" sz="1200" dirty="0"/>
-              <a:t>AI USE STATEMENT</a:t>
-            </a:r>
-          </a:p>
-          <a:p>
-            <a:pPr algn="ctr"/>
-            <a:r>
-              <a:rPr lang="en-US" sz="1000" dirty="0"/>
-              <a:t>ChatGPT was used to assist with code commenting, poster text structure, and refinement of explanations. All code, logic, testing, and final writing were completed independently. The AI tool was used only to enhance clarity and organization.</a:t>
-            </a:r>
-            <a:endParaRPr lang="en-IE" sz="1000" dirty="0"/>
           </a:p>
         </p:txBody>
       </p:sp>
@@ -6193,10 +6160,22 @@
           <a:p>
             <a:pPr algn="ctr"/>
             <a:r>
-              <a:rPr lang="en-US" sz="800" dirty="0"/>
+              <a:rPr lang="en-US" sz="800" dirty="0">
+                <a:solidFill>
+                  <a:schemeClr val="bg2">
+                    <a:lumMod val="50000"/>
+                  </a:schemeClr>
+                </a:solidFill>
+              </a:rPr>
               <a:t>Fast-Food Storage Manager Using Stack and Queue (LIFO/FIFO)</a:t>
             </a:r>
-            <a:endParaRPr lang="en-IE" sz="800" dirty="0"/>
+            <a:endParaRPr lang="en-IE" sz="800" dirty="0">
+              <a:solidFill>
+                <a:schemeClr val="bg2">
+                  <a:lumMod val="50000"/>
+                </a:schemeClr>
+              </a:solidFill>
+            </a:endParaRPr>
           </a:p>
         </p:txBody>
       </p:sp>
@@ -6243,7 +6222,13 @@
           <a:p>
             <a:pPr algn="ctr"/>
             <a:r>
-              <a:rPr lang="en-IE" sz="1050" dirty="0"/>
+              <a:rPr lang="en-IE" sz="1050" dirty="0">
+                <a:solidFill>
+                  <a:schemeClr val="bg2">
+                    <a:lumMod val="50000"/>
+                  </a:schemeClr>
+                </a:solidFill>
+              </a:rPr>
               <a:t>Alberto W S Figueiredo</a:t>
             </a:r>
           </a:p>
@@ -6254,7 +6239,13 @@
           <a:p>
             <a:pPr algn="ctr"/>
             <a:r>
-              <a:rPr lang="en-IE" sz="1050" dirty="0"/>
+              <a:rPr lang="en-IE" sz="1050" dirty="0">
+                <a:solidFill>
+                  <a:schemeClr val="bg2">
+                    <a:lumMod val="50000"/>
+                  </a:schemeClr>
+                </a:solidFill>
+              </a:rPr>
               <a:t>Student number 2023316</a:t>
             </a:r>
           </a:p>
@@ -6303,7 +6294,7 @@
           <a:p>
             <a:pPr algn="ctr"/>
             <a:r>
-              <a:rPr lang="en-US" sz="1050" dirty="0">
+              <a:rPr lang="en-US" sz="1200" dirty="0">
                 <a:solidFill>
                   <a:schemeClr val="bg2">
                     <a:lumMod val="50000"/>
@@ -6374,11 +6365,23 @@
           <a:p>
             <a:pPr algn="ctr"/>
             <a:r>
-              <a:rPr lang="en-US" sz="800" b="1" dirty="0"/>
+              <a:rPr lang="en-US" sz="800" b="1" dirty="0">
+                <a:solidFill>
+                  <a:schemeClr val="bg2">
+                    <a:lumMod val="50000"/>
+                  </a:schemeClr>
+                </a:solidFill>
+              </a:rPr>
               <a:t>LIFO</a:t>
             </a:r>
             <a:r>
-              <a:rPr lang="en-US" sz="800" dirty="0"/>
+              <a:rPr lang="en-US" sz="800" dirty="0">
+                <a:solidFill>
+                  <a:schemeClr val="bg2">
+                    <a:lumMod val="50000"/>
+                  </a:schemeClr>
+                </a:solidFill>
+              </a:rPr>
               <a:t> (Last In, First Out): the most recently added tray is served first (like a stack of plates).</a:t>
             </a:r>
             <a:endParaRPr lang="en-IE" sz="800" b="1" dirty="0">
@@ -6389,9 +6392,8 @@
                 <a:prstDash val="solid"/>
               </a:ln>
               <a:solidFill>
-                <a:schemeClr val="accent2">
-                  <a:lumMod val="40000"/>
-                  <a:lumOff val="60000"/>
+                <a:schemeClr val="bg2">
+                  <a:lumMod val="50000"/>
                 </a:schemeClr>
               </a:solidFill>
             </a:endParaRPr>
@@ -6439,11 +6441,23 @@
           <a:p>
             <a:pPr algn="ctr"/>
             <a:r>
-              <a:rPr lang="en-US" sz="800" b="1" dirty="0"/>
+              <a:rPr lang="en-US" sz="800" b="1" dirty="0">
+                <a:solidFill>
+                  <a:schemeClr val="bg2">
+                    <a:lumMod val="50000"/>
+                  </a:schemeClr>
+                </a:solidFill>
+              </a:rPr>
               <a:t>FIFO</a:t>
             </a:r>
             <a:r>
-              <a:rPr lang="en-US" sz="800" dirty="0"/>
+              <a:rPr lang="en-US" sz="800" dirty="0">
+                <a:solidFill>
+                  <a:schemeClr val="bg2">
+                    <a:lumMod val="50000"/>
+                  </a:schemeClr>
+                </a:solidFill>
+              </a:rPr>
               <a:t> (First In, First Out): the oldest tray is served first (like a production line).</a:t>
             </a:r>
             <a:endParaRPr lang="en-IE" sz="800" b="1" dirty="0">
@@ -6454,9 +6468,8 @@
                 <a:prstDash val="solid"/>
               </a:ln>
               <a:solidFill>
-                <a:schemeClr val="accent2">
-                  <a:lumMod val="40000"/>
-                  <a:lumOff val="60000"/>
+                <a:schemeClr val="bg2">
+                  <a:lumMod val="50000"/>
                 </a:schemeClr>
               </a:solidFill>
             </a:endParaRPr>
@@ -6537,7 +6550,7 @@
         </p:nvSpPr>
         <p:spPr>
           <a:xfrm>
-            <a:off x="9242325" y="2542868"/>
+            <a:off x="9242325" y="3913239"/>
             <a:ext cx="2762862" cy="282679"/>
           </a:xfrm>
           <a:prstGeom prst="rect">
@@ -6566,7 +6579,13 @@
           <a:p>
             <a:pPr algn="ctr"/>
             <a:r>
-              <a:rPr lang="en-IE" sz="1200" dirty="0"/>
+              <a:rPr lang="en-IE" sz="1200" dirty="0">
+                <a:solidFill>
+                  <a:schemeClr val="bg2">
+                    <a:lumMod val="50000"/>
+                  </a:schemeClr>
+                </a:solidFill>
+              </a:rPr>
               <a:t>TIME COMPLEXITY ANALYSIS</a:t>
             </a:r>
           </a:p>
@@ -6595,13 +6614,13 @@
           <p:nvPr>
             <p:extLst>
               <p:ext uri="{D42A27DB-BD31-4B8C-83A1-F6EECF244321}">
-                <p14:modId xmlns:p14="http://schemas.microsoft.com/office/powerpoint/2010/main" val="3531412528"/>
+                <p14:modId xmlns:p14="http://schemas.microsoft.com/office/powerpoint/2010/main" val="3957664576"/>
               </p:ext>
             </p:extLst>
           </p:nvPr>
         </p:nvGraphicFramePr>
         <p:xfrm>
-          <a:off x="9242325" y="2861189"/>
+          <a:off x="9242325" y="4261299"/>
           <a:ext cx="2762865" cy="2468880"/>
         </p:xfrm>
         <a:graphic>
@@ -6640,7 +6659,13 @@
                     <a:lstStyle/>
                     <a:p>
                       <a:r>
-                        <a:rPr lang="en-IE" sz="900" dirty="0"/>
+                        <a:rPr lang="en-IE" sz="900" dirty="0">
+                          <a:solidFill>
+                            <a:schemeClr val="bg2">
+                              <a:lumMod val="50000"/>
+                            </a:schemeClr>
+                          </a:solidFill>
+                        </a:rPr>
                         <a:t>Operation</a:t>
                       </a:r>
                     </a:p>
@@ -6670,7 +6695,13 @@
                         <a:defRPr/>
                       </a:pPr>
                       <a:r>
-                        <a:rPr lang="en-IE" sz="900" dirty="0"/>
+                        <a:rPr lang="en-IE" sz="900" dirty="0">
+                          <a:solidFill>
+                            <a:schemeClr val="bg2">
+                              <a:lumMod val="50000"/>
+                            </a:schemeClr>
+                          </a:solidFill>
+                        </a:rPr>
                         <a:t>Description</a:t>
                       </a:r>
                     </a:p>
@@ -6703,7 +6734,13 @@
                         <a:defRPr/>
                       </a:pPr>
                       <a:r>
-                        <a:rPr lang="en-IE" sz="900" dirty="0"/>
+                        <a:rPr lang="en-IE" sz="900" dirty="0">
+                          <a:solidFill>
+                            <a:schemeClr val="bg2">
+                              <a:lumMod val="50000"/>
+                            </a:schemeClr>
+                          </a:solidFill>
+                        </a:rPr>
                         <a:t>Time Complexity</a:t>
                       </a:r>
                     </a:p>
@@ -7033,6 +7070,42 @@
           </a:graphicData>
         </a:graphic>
       </p:graphicFrame>
+      <p:pic>
+        <p:nvPicPr>
+          <p:cNvPr id="28" name="Picture 27" descr="A cartoon of a person holding a pointer&#10;&#10;AI-generated content may be incorrect.">
+            <a:extLst>
+              <a:ext uri="{FF2B5EF4-FFF2-40B4-BE49-F238E27FC236}">
+                <a16:creationId xmlns:a16="http://schemas.microsoft.com/office/drawing/2014/main" id="{ABD053A0-4B5D-7F6E-1E8A-EB8563053E14}"/>
+              </a:ext>
+            </a:extLst>
+          </p:cNvPr>
+          <p:cNvPicPr>
+            <a:picLocks noChangeAspect="1"/>
+          </p:cNvPicPr>
+          <p:nvPr/>
+        </p:nvPicPr>
+        <p:blipFill>
+          <a:blip r:embed="rId4">
+            <a:extLst>
+              <a:ext uri="{28A0092B-C50C-407E-A947-70E740481C1C}">
+                <a14:useLocalDpi xmlns:a14="http://schemas.microsoft.com/office/drawing/2010/main" val="0"/>
+              </a:ext>
+            </a:extLst>
+          </a:blip>
+          <a:stretch>
+            <a:fillRect/>
+          </a:stretch>
+        </p:blipFill>
+        <p:spPr>
+          <a:xfrm>
+            <a:off x="10048568" y="2603738"/>
+            <a:ext cx="1503117" cy="1179224"/>
+          </a:xfrm>
+          <a:prstGeom prst="rect">
+            <a:avLst/>
+          </a:prstGeom>
+        </p:spPr>
+      </p:pic>
     </p:spTree>
     <p:extLst>
       <p:ext uri="{BB962C8B-B14F-4D97-AF65-F5344CB8AC3E}">

--- a/FastFood poster.pptx
+++ b/FastFood poster.pptx
@@ -245,7 +245,7 @@
           <a:p>
             <a:fld id="{14151683-89D9-4669-8EEF-1674FE5921A3}" type="datetimeFigureOut">
               <a:rPr lang="en-IE" smtClean="0"/>
-              <a:t>29/10/2025</a:t>
+              <a:t>30/10/2025</a:t>
             </a:fld>
             <a:endParaRPr lang="en-IE"/>
           </a:p>
@@ -532,7 +532,7 @@
           <a:p>
             <a:fld id="{14151683-89D9-4669-8EEF-1674FE5921A3}" type="datetimeFigureOut">
               <a:rPr lang="en-IE" smtClean="0"/>
-              <a:t>29/10/2025</a:t>
+              <a:t>30/10/2025</a:t>
             </a:fld>
             <a:endParaRPr lang="en-IE"/>
           </a:p>
@@ -724,7 +724,7 @@
           <a:p>
             <a:fld id="{14151683-89D9-4669-8EEF-1674FE5921A3}" type="datetimeFigureOut">
               <a:rPr lang="en-IE" smtClean="0"/>
-              <a:t>29/10/2025</a:t>
+              <a:t>30/10/2025</a:t>
             </a:fld>
             <a:endParaRPr lang="en-IE"/>
           </a:p>
@@ -985,7 +985,7 @@
           <a:p>
             <a:fld id="{14151683-89D9-4669-8EEF-1674FE5921A3}" type="datetimeFigureOut">
               <a:rPr lang="en-IE" smtClean="0"/>
-              <a:t>29/10/2025</a:t>
+              <a:t>30/10/2025</a:t>
             </a:fld>
             <a:endParaRPr lang="en-IE"/>
           </a:p>
@@ -1409,7 +1409,7 @@
           <a:p>
             <a:fld id="{14151683-89D9-4669-8EEF-1674FE5921A3}" type="datetimeFigureOut">
               <a:rPr lang="en-IE" smtClean="0"/>
-              <a:t>29/10/2025</a:t>
+              <a:t>30/10/2025</a:t>
             </a:fld>
             <a:endParaRPr lang="en-IE"/>
           </a:p>
@@ -1955,7 +1955,7 @@
           <a:p>
             <a:fld id="{14151683-89D9-4669-8EEF-1674FE5921A3}" type="datetimeFigureOut">
               <a:rPr lang="en-IE" smtClean="0"/>
-              <a:t>29/10/2025</a:t>
+              <a:t>30/10/2025</a:t>
             </a:fld>
             <a:endParaRPr lang="en-IE"/>
           </a:p>
@@ -2795,7 +2795,7 @@
           <a:p>
             <a:fld id="{14151683-89D9-4669-8EEF-1674FE5921A3}" type="datetimeFigureOut">
               <a:rPr lang="en-IE" smtClean="0"/>
-              <a:t>29/10/2025</a:t>
+              <a:t>30/10/2025</a:t>
             </a:fld>
             <a:endParaRPr lang="en-IE"/>
           </a:p>
@@ -2965,7 +2965,7 @@
           <a:p>
             <a:fld id="{14151683-89D9-4669-8EEF-1674FE5921A3}" type="datetimeFigureOut">
               <a:rPr lang="en-IE" smtClean="0"/>
-              <a:t>29/10/2025</a:t>
+              <a:t>30/10/2025</a:t>
             </a:fld>
             <a:endParaRPr lang="en-IE"/>
           </a:p>
@@ -3149,7 +3149,7 @@
           <a:p>
             <a:fld id="{14151683-89D9-4669-8EEF-1674FE5921A3}" type="datetimeFigureOut">
               <a:rPr lang="en-IE" smtClean="0"/>
-              <a:t>29/10/2025</a:t>
+              <a:t>30/10/2025</a:t>
             </a:fld>
             <a:endParaRPr lang="en-IE"/>
           </a:p>
@@ -3319,7 +3319,7 @@
           <a:p>
             <a:fld id="{14151683-89D9-4669-8EEF-1674FE5921A3}" type="datetimeFigureOut">
               <a:rPr lang="en-IE" smtClean="0"/>
-              <a:t>29/10/2025</a:t>
+              <a:t>30/10/2025</a:t>
             </a:fld>
             <a:endParaRPr lang="en-IE"/>
           </a:p>
@@ -3567,7 +3567,7 @@
           <a:p>
             <a:fld id="{14151683-89D9-4669-8EEF-1674FE5921A3}" type="datetimeFigureOut">
               <a:rPr lang="en-IE" smtClean="0"/>
-              <a:t>29/10/2025</a:t>
+              <a:t>30/10/2025</a:t>
             </a:fld>
             <a:endParaRPr lang="en-IE"/>
           </a:p>
@@ -3804,7 +3804,7 @@
           <a:p>
             <a:fld id="{14151683-89D9-4669-8EEF-1674FE5921A3}" type="datetimeFigureOut">
               <a:rPr lang="en-IE" smtClean="0"/>
-              <a:t>29/10/2025</a:t>
+              <a:t>30/10/2025</a:t>
             </a:fld>
             <a:endParaRPr lang="en-IE"/>
           </a:p>
@@ -4177,7 +4177,7 @@
           <a:p>
             <a:fld id="{14151683-89D9-4669-8EEF-1674FE5921A3}" type="datetimeFigureOut">
               <a:rPr lang="en-IE" smtClean="0"/>
-              <a:t>29/10/2025</a:t>
+              <a:t>30/10/2025</a:t>
             </a:fld>
             <a:endParaRPr lang="en-IE"/>
           </a:p>
@@ -4295,7 +4295,7 @@
           <a:p>
             <a:fld id="{14151683-89D9-4669-8EEF-1674FE5921A3}" type="datetimeFigureOut">
               <a:rPr lang="en-IE" smtClean="0"/>
-              <a:t>29/10/2025</a:t>
+              <a:t>30/10/2025</a:t>
             </a:fld>
             <a:endParaRPr lang="en-IE"/>
           </a:p>
@@ -4390,7 +4390,7 @@
           <a:p>
             <a:fld id="{14151683-89D9-4669-8EEF-1674FE5921A3}" type="datetimeFigureOut">
               <a:rPr lang="en-IE" smtClean="0"/>
-              <a:t>29/10/2025</a:t>
+              <a:t>30/10/2025</a:t>
             </a:fld>
             <a:endParaRPr lang="en-IE"/>
           </a:p>
@@ -4641,7 +4641,7 @@
           <a:p>
             <a:fld id="{14151683-89D9-4669-8EEF-1674FE5921A3}" type="datetimeFigureOut">
               <a:rPr lang="en-IE" smtClean="0"/>
-              <a:t>29/10/2025</a:t>
+              <a:t>30/10/2025</a:t>
             </a:fld>
             <a:endParaRPr lang="en-IE"/>
           </a:p>
@@ -4928,7 +4928,7 @@
           <a:p>
             <a:fld id="{14151683-89D9-4669-8EEF-1674FE5921A3}" type="datetimeFigureOut">
               <a:rPr lang="en-IE" smtClean="0"/>
-              <a:t>29/10/2025</a:t>
+              <a:t>30/10/2025</a:t>
             </a:fld>
             <a:endParaRPr lang="en-IE"/>
           </a:p>
@@ -5141,7 +5141,7 @@
           <a:p>
             <a:fld id="{14151683-89D9-4669-8EEF-1674FE5921A3}" type="datetimeFigureOut">
               <a:rPr lang="en-IE" smtClean="0"/>
-              <a:t>29/10/2025</a:t>
+              <a:t>30/10/2025</a:t>
             </a:fld>
             <a:endParaRPr lang="en-IE"/>
           </a:p>
@@ -5920,7 +5920,7 @@
         </p:nvSpPr>
         <p:spPr>
           <a:xfrm>
-            <a:off x="6238570" y="127818"/>
+            <a:off x="6091085" y="127818"/>
             <a:ext cx="2762864" cy="6602361"/>
           </a:xfrm>
           <a:prstGeom prst="rect">
@@ -6060,8 +6060,8 @@
         </p:nvSpPr>
         <p:spPr>
           <a:xfrm>
-            <a:off x="9242325" y="127820"/>
-            <a:ext cx="2762864" cy="3706760"/>
+            <a:off x="8991602" y="127820"/>
+            <a:ext cx="3013587" cy="2468880"/>
           </a:xfrm>
           <a:prstGeom prst="rect">
             <a:avLst/>
@@ -6498,7 +6498,7 @@
         </p:blipFill>
         <p:spPr>
           <a:xfrm>
-            <a:off x="6422327" y="2431026"/>
+            <a:off x="6296966" y="2413819"/>
             <a:ext cx="2351101" cy="1403554"/>
           </a:xfrm>
           <a:prstGeom prst="rect">
@@ -6528,7 +6528,7 @@
         </p:blipFill>
         <p:spPr>
           <a:xfrm>
-            <a:off x="6422326" y="4377812"/>
+            <a:off x="6296966" y="4348315"/>
             <a:ext cx="2351101" cy="1403554"/>
           </a:xfrm>
           <a:prstGeom prst="rect">
@@ -6550,8 +6550,8 @@
         </p:nvSpPr>
         <p:spPr>
           <a:xfrm>
-            <a:off x="9242325" y="3913239"/>
-            <a:ext cx="2762862" cy="282679"/>
+            <a:off x="8991600" y="2651023"/>
+            <a:ext cx="3013587" cy="282679"/>
           </a:xfrm>
           <a:prstGeom prst="rect">
             <a:avLst/>
@@ -6614,14 +6614,14 @@
           <p:nvPr>
             <p:extLst>
               <p:ext uri="{D42A27DB-BD31-4B8C-83A1-F6EECF244321}">
-                <p14:modId xmlns:p14="http://schemas.microsoft.com/office/powerpoint/2010/main" val="3957664576"/>
+                <p14:modId xmlns:p14="http://schemas.microsoft.com/office/powerpoint/2010/main" val="2417444101"/>
               </p:ext>
             </p:extLst>
           </p:nvPr>
         </p:nvGraphicFramePr>
         <p:xfrm>
-          <a:off x="9242325" y="4261299"/>
-          <a:ext cx="2762865" cy="2468880"/>
+          <a:off x="8991600" y="2983766"/>
+          <a:ext cx="3013590" cy="2331720"/>
         </p:xfrm>
         <a:graphic>
           <a:graphicData uri="http://schemas.openxmlformats.org/drawingml/2006/table">
@@ -6630,21 +6630,21 @@
                 <a:tableStyleId>{5C22544A-7EE6-4342-B048-85BDC9FD1C3A}</a:tableStyleId>
               </a:tblPr>
               <a:tblGrid>
-                <a:gridCol w="920955">
+                <a:gridCol w="1004530">
                   <a:extLst>
                     <a:ext uri="{9D8B030D-6E8A-4147-A177-3AD203B41FA5}">
                       <a16:colId xmlns:a16="http://schemas.microsoft.com/office/drawing/2014/main" val="655721833"/>
                     </a:ext>
                   </a:extLst>
                 </a:gridCol>
-                <a:gridCol w="920955">
+                <a:gridCol w="1004530">
                   <a:extLst>
                     <a:ext uri="{9D8B030D-6E8A-4147-A177-3AD203B41FA5}">
                       <a16:colId xmlns:a16="http://schemas.microsoft.com/office/drawing/2014/main" val="2499020025"/>
                     </a:ext>
                   </a:extLst>
                 </a:gridCol>
-                <a:gridCol w="920955">
+                <a:gridCol w="1004530">
                   <a:extLst>
                     <a:ext uri="{9D8B030D-6E8A-4147-A177-3AD203B41FA5}">
                       <a16:colId xmlns:a16="http://schemas.microsoft.com/office/drawing/2014/main" val="490587939"/>
@@ -6652,7 +6652,7 @@
                   </a:extLst>
                 </a:gridCol>
               </a:tblGrid>
-              <a:tr h="458444">
+              <a:tr h="406498">
                 <a:tc>
                   <a:txBody>
                     <a:bodyPr/>
@@ -6756,7 +6756,7 @@
                   </a:ext>
                 </a:extLst>
               </a:tr>
-              <a:tr h="331098">
+              <a:tr h="295635">
                 <a:tc>
                   <a:txBody>
                     <a:bodyPr/>
@@ -6822,7 +6822,7 @@
                   </a:ext>
                 </a:extLst>
               </a:tr>
-              <a:tr h="458444">
+              <a:tr h="333492">
                 <a:tc>
                   <a:txBody>
                     <a:bodyPr/>
@@ -6888,7 +6888,7 @@
                   </a:ext>
                 </a:extLst>
               </a:tr>
-              <a:tr h="331098">
+              <a:tr h="295635">
                 <a:tc>
                   <a:txBody>
                     <a:bodyPr/>
@@ -6954,7 +6954,7 @@
                   </a:ext>
                 </a:extLst>
               </a:tr>
-              <a:tr h="331098">
+              <a:tr h="295635">
                 <a:tc>
                   <a:txBody>
                     <a:bodyPr/>
@@ -7020,7 +7020,7 @@
                   </a:ext>
                 </a:extLst>
               </a:tr>
-              <a:tr h="203753">
+              <a:tr h="295635">
                 <a:tc>
                   <a:txBody>
                     <a:bodyPr/>
@@ -7070,6 +7070,68 @@
           </a:graphicData>
         </a:graphic>
       </p:graphicFrame>
+      <p:sp>
+        <p:nvSpPr>
+          <p:cNvPr id="4" name="Rectangle 3">
+            <a:extLst>
+              <a:ext uri="{FF2B5EF4-FFF2-40B4-BE49-F238E27FC236}">
+                <a16:creationId xmlns:a16="http://schemas.microsoft.com/office/drawing/2014/main" id="{F9D121BB-8203-C973-C0C2-9737A535D176}"/>
+              </a:ext>
+            </a:extLst>
+          </p:cNvPr>
+          <p:cNvSpPr/>
+          <p:nvPr/>
+        </p:nvSpPr>
+        <p:spPr>
+          <a:xfrm>
+            <a:off x="8991598" y="5365550"/>
+            <a:ext cx="3013590" cy="1364629"/>
+          </a:xfrm>
+          <a:prstGeom prst="rect">
+            <a:avLst/>
+          </a:prstGeom>
+        </p:spPr>
+        <p:style>
+          <a:lnRef idx="2">
+            <a:schemeClr val="accent1">
+              <a:shade val="15000"/>
+            </a:schemeClr>
+          </a:lnRef>
+          <a:fillRef idx="1">
+            <a:schemeClr val="accent1"/>
+          </a:fillRef>
+          <a:effectRef idx="0">
+            <a:schemeClr val="accent1"/>
+          </a:effectRef>
+          <a:fontRef idx="minor">
+            <a:schemeClr val="lt1"/>
+          </a:fontRef>
+        </p:style>
+        <p:txBody>
+          <a:bodyPr rtlCol="0" anchor="t"/>
+          <a:lstStyle/>
+          <a:p>
+            <a:pPr algn="ctr"/>
+            <a:r>
+              <a:rPr lang="en-IE" sz="1100" dirty="0">
+                <a:solidFill>
+                  <a:schemeClr val="bg2">
+                    <a:lumMod val="50000"/>
+                  </a:schemeClr>
+                </a:solidFill>
+              </a:rPr>
+              <a:t>AI USAGE</a:t>
+            </a:r>
+          </a:p>
+          <a:p>
+            <a:r>
+              <a:rPr lang="en-US" sz="1000" dirty="0"/>
+              <a:t>Assistance from ChatGPT was used to refine ideas, improve commenting style, and prepare the project explanation. The coding and design decisions were made independently.</a:t>
+            </a:r>
+            <a:endParaRPr lang="en-IE" sz="1000" dirty="0"/>
+          </a:p>
+        </p:txBody>
+      </p:sp>
       <p:pic>
         <p:nvPicPr>
           <p:cNvPr id="28" name="Picture 27" descr="A cartoon of a person holding a pointer&#10;&#10;AI-generated content may be incorrect.">
@@ -7098,8 +7160,8 @@
         </p:blipFill>
         <p:spPr>
           <a:xfrm>
-            <a:off x="10048568" y="2603738"/>
-            <a:ext cx="1503117" cy="1179224"/>
+            <a:off x="11229657" y="6066504"/>
+            <a:ext cx="765700" cy="663676"/>
           </a:xfrm>
           <a:prstGeom prst="rect">
             <a:avLst/>
